--- a/Document/presentation/nam/6 notify right route.pptx
+++ b/Document/presentation/nam/6 notify right route.pptx
@@ -233,7 +233,7 @@
           <a:p>
             <a:fld id="{DA9549E1-0AAC-2C4B-93C1-37A6039FCBA8}" type="datetimeFigureOut">
               <a:rPr lang="en-US" smtClean="0"/>
-              <a:t>12/14/2015</a:t>
+              <a:t>12/14/15</a:t>
             </a:fld>
             <a:endParaRPr lang="en-US"/>
           </a:p>
@@ -7749,7 +7749,7 @@
           <a:p>
             <a:fld id="{94B1E4EC-92D8-4A33-94B0-5CDDBDDA3BE9}" type="datetimeFigureOut">
               <a:rPr lang="en-US" smtClean="0"/>
-              <a:t>12/14/2015</a:t>
+              <a:t>12/14/15</a:t>
             </a:fld>
             <a:endParaRPr lang="en-US"/>
           </a:p>
@@ -7919,7 +7919,7 @@
           <a:p>
             <a:fld id="{94B1E4EC-92D8-4A33-94B0-5CDDBDDA3BE9}" type="datetimeFigureOut">
               <a:rPr lang="en-US" smtClean="0"/>
-              <a:t>12/14/2015</a:t>
+              <a:t>12/14/15</a:t>
             </a:fld>
             <a:endParaRPr lang="en-US"/>
           </a:p>
@@ -8099,7 +8099,7 @@
           <a:p>
             <a:fld id="{94B1E4EC-92D8-4A33-94B0-5CDDBDDA3BE9}" type="datetimeFigureOut">
               <a:rPr lang="en-US" smtClean="0"/>
-              <a:t>12/14/2015</a:t>
+              <a:t>12/14/15</a:t>
             </a:fld>
             <a:endParaRPr lang="en-US"/>
           </a:p>
@@ -8564,7 +8564,7 @@
           <a:p>
             <a:fld id="{94B1E4EC-92D8-4A33-94B0-5CDDBDDA3BE9}" type="datetimeFigureOut">
               <a:rPr lang="en-US" smtClean="0"/>
-              <a:t>12/14/2015</a:t>
+              <a:t>12/14/15</a:t>
             </a:fld>
             <a:endParaRPr lang="en-US"/>
           </a:p>
@@ -8808,7 +8808,7 @@
           <a:p>
             <a:fld id="{94B1E4EC-92D8-4A33-94B0-5CDDBDDA3BE9}" type="datetimeFigureOut">
               <a:rPr lang="en-US" smtClean="0"/>
-              <a:t>12/14/2015</a:t>
+              <a:t>12/14/15</a:t>
             </a:fld>
             <a:endParaRPr lang="en-US"/>
           </a:p>
@@ -9040,7 +9040,7 @@
           <a:p>
             <a:fld id="{94B1E4EC-92D8-4A33-94B0-5CDDBDDA3BE9}" type="datetimeFigureOut">
               <a:rPr lang="en-US" smtClean="0"/>
-              <a:t>12/14/2015</a:t>
+              <a:t>12/14/15</a:t>
             </a:fld>
             <a:endParaRPr lang="en-US"/>
           </a:p>
@@ -9407,7 +9407,7 @@
           <a:p>
             <a:fld id="{94B1E4EC-92D8-4A33-94B0-5CDDBDDA3BE9}" type="datetimeFigureOut">
               <a:rPr lang="en-US" smtClean="0"/>
-              <a:t>12/14/2015</a:t>
+              <a:t>12/14/15</a:t>
             </a:fld>
             <a:endParaRPr lang="en-US"/>
           </a:p>
@@ -9525,7 +9525,7 @@
           <a:p>
             <a:fld id="{94B1E4EC-92D8-4A33-94B0-5CDDBDDA3BE9}" type="datetimeFigureOut">
               <a:rPr lang="en-US" smtClean="0"/>
-              <a:t>12/14/2015</a:t>
+              <a:t>12/14/15</a:t>
             </a:fld>
             <a:endParaRPr lang="en-US"/>
           </a:p>
@@ -9620,7 +9620,7 @@
           <a:p>
             <a:fld id="{94B1E4EC-92D8-4A33-94B0-5CDDBDDA3BE9}" type="datetimeFigureOut">
               <a:rPr lang="en-US" smtClean="0"/>
-              <a:t>12/14/2015</a:t>
+              <a:t>12/14/15</a:t>
             </a:fld>
             <a:endParaRPr lang="en-US"/>
           </a:p>
@@ -9897,7 +9897,7 @@
           <a:p>
             <a:fld id="{94B1E4EC-92D8-4A33-94B0-5CDDBDDA3BE9}" type="datetimeFigureOut">
               <a:rPr lang="en-US" smtClean="0"/>
-              <a:t>12/14/2015</a:t>
+              <a:t>12/14/15</a:t>
             </a:fld>
             <a:endParaRPr lang="en-US"/>
           </a:p>
@@ -10154,7 +10154,7 @@
           <a:p>
             <a:fld id="{94B1E4EC-92D8-4A33-94B0-5CDDBDDA3BE9}" type="datetimeFigureOut">
               <a:rPr lang="en-US" smtClean="0"/>
-              <a:t>12/14/2015</a:t>
+              <a:t>12/14/15</a:t>
             </a:fld>
             <a:endParaRPr lang="en-US"/>
           </a:p>
@@ -10367,7 +10367,7 @@
           <a:p>
             <a:fld id="{94B1E4EC-92D8-4A33-94B0-5CDDBDDA3BE9}" type="datetimeFigureOut">
               <a:rPr lang="en-US" smtClean="0"/>
-              <a:t>12/14/2015</a:t>
+              <a:t>12/14/15</a:t>
             </a:fld>
             <a:endParaRPr lang="en-US"/>
           </a:p>
@@ -27106,7 +27106,6 @@
               <a:rPr lang="en-US" dirty="0" smtClean="0"/>
               <a:t>Search route</a:t>
             </a:r>
-            <a:endParaRPr lang="en-US" dirty="0" smtClean="0"/>
           </a:p>
           <a:p>
             <a:pPr marL="514350" indent="-514350">
@@ -28018,9 +28017,9 @@
           <p:nvPr/>
         </p:nvCxnSpPr>
         <p:spPr>
-          <a:xfrm flipV="1">
-            <a:off x="4943603" y="2551538"/>
-            <a:ext cx="1957529" cy="187"/>
+          <a:xfrm>
+            <a:off x="4943603" y="2551725"/>
+            <a:ext cx="3113002" cy="11338"/>
           </a:xfrm>
           <a:prstGeom prst="straightConnector1">
             <a:avLst/>
@@ -28056,7 +28055,7 @@
         <p:spPr>
           <a:xfrm>
             <a:off x="5168971" y="2182206"/>
-            <a:ext cx="1768882" cy="400110"/>
+            <a:ext cx="3097350" cy="400110"/>
           </a:xfrm>
           <a:prstGeom prst="rect">
             <a:avLst/>
@@ -28064,14 +28063,22 @@
           <a:noFill/>
         </p:spPr>
         <p:txBody>
-          <a:bodyPr wrap="none" rtlCol="0">
+          <a:bodyPr wrap="square" rtlCol="0">
             <a:spAutoFit/>
           </a:bodyPr>
           <a:lstStyle/>
           <a:p>
             <a:r>
               <a:rPr lang="en-US" sz="2000" dirty="0" smtClean="0"/>
-              <a:t>Save to storage</a:t>
+              <a:t>Save to </a:t>
+            </a:r>
+            <a:r>
+              <a:rPr lang="vi-VN" sz="2000" dirty="0" smtClean="0"/>
+              <a:t>mobile</a:t>
+            </a:r>
+            <a:r>
+              <a:rPr lang="en-US" sz="2000" dirty="0" smtClean="0"/>
+              <a:t> storage</a:t>
             </a:r>
             <a:endParaRPr lang="en-US" sz="2000" dirty="0"/>
           </a:p>
@@ -28100,7 +28107,7 @@
         </p:blipFill>
         <p:spPr bwMode="auto">
           <a:xfrm>
-            <a:off x="6937853" y="1834820"/>
+            <a:off x="7688584" y="1809778"/>
             <a:ext cx="1328468" cy="1328468"/>
           </a:xfrm>
           <a:prstGeom prst="rect">
